--- a/content/3-cc310/09-lists/04-list-based-stack-slides.pptx
+++ b/content/3-cc310/09-lists/04-list-based-stack-slides.pptx
@@ -211,7 +211,7 @@
           <a:p>
             <a:fld id="{7965C686-E975-4851-995B-B3B455D4CBEA}" type="datetimeFigureOut">
               <a:rPr lang="en-US" smtClean="0"/>
-              <a:t>4/3/2020</a:t>
+              <a:t>4/7/2020</a:t>
             </a:fld>
             <a:endParaRPr lang="en-US"/>
           </a:p>
@@ -2050,7 +2050,7 @@
           <a:p>
             <a:fld id="{6B9CC98C-563E-4F7D-9927-73EC4AAC1618}" type="datetimeFigureOut">
               <a:rPr lang="en-US" smtClean="0"/>
-              <a:t>4/3/2020</a:t>
+              <a:t>4/7/2020</a:t>
             </a:fld>
             <a:endParaRPr lang="en-US"/>
           </a:p>
@@ -2248,7 +2248,7 @@
           <a:p>
             <a:fld id="{6B9CC98C-563E-4F7D-9927-73EC4AAC1618}" type="datetimeFigureOut">
               <a:rPr lang="en-US" smtClean="0"/>
-              <a:t>4/3/2020</a:t>
+              <a:t>4/7/2020</a:t>
             </a:fld>
             <a:endParaRPr lang="en-US"/>
           </a:p>
@@ -2456,7 +2456,7 @@
           <a:p>
             <a:fld id="{6B9CC98C-563E-4F7D-9927-73EC4AAC1618}" type="datetimeFigureOut">
               <a:rPr lang="en-US" smtClean="0"/>
-              <a:t>4/3/2020</a:t>
+              <a:t>4/7/2020</a:t>
             </a:fld>
             <a:endParaRPr lang="en-US"/>
           </a:p>
@@ -2654,7 +2654,7 @@
           <a:p>
             <a:fld id="{6B9CC98C-563E-4F7D-9927-73EC4AAC1618}" type="datetimeFigureOut">
               <a:rPr lang="en-US" smtClean="0"/>
-              <a:t>4/3/2020</a:t>
+              <a:t>4/7/2020</a:t>
             </a:fld>
             <a:endParaRPr lang="en-US"/>
           </a:p>
@@ -2929,7 +2929,7 @@
           <a:p>
             <a:fld id="{6B9CC98C-563E-4F7D-9927-73EC4AAC1618}" type="datetimeFigureOut">
               <a:rPr lang="en-US" smtClean="0"/>
-              <a:t>4/3/2020</a:t>
+              <a:t>4/7/2020</a:t>
             </a:fld>
             <a:endParaRPr lang="en-US"/>
           </a:p>
@@ -3194,7 +3194,7 @@
           <a:p>
             <a:fld id="{6B9CC98C-563E-4F7D-9927-73EC4AAC1618}" type="datetimeFigureOut">
               <a:rPr lang="en-US" smtClean="0"/>
-              <a:t>4/3/2020</a:t>
+              <a:t>4/7/2020</a:t>
             </a:fld>
             <a:endParaRPr lang="en-US"/>
           </a:p>
@@ -3606,7 +3606,7 @@
           <a:p>
             <a:fld id="{6B9CC98C-563E-4F7D-9927-73EC4AAC1618}" type="datetimeFigureOut">
               <a:rPr lang="en-US" smtClean="0"/>
-              <a:t>4/3/2020</a:t>
+              <a:t>4/7/2020</a:t>
             </a:fld>
             <a:endParaRPr lang="en-US"/>
           </a:p>
@@ -3747,7 +3747,7 @@
           <a:p>
             <a:fld id="{6B9CC98C-563E-4F7D-9927-73EC4AAC1618}" type="datetimeFigureOut">
               <a:rPr lang="en-US" smtClean="0"/>
-              <a:t>4/3/2020</a:t>
+              <a:t>4/7/2020</a:t>
             </a:fld>
             <a:endParaRPr lang="en-US"/>
           </a:p>
@@ -3860,7 +3860,7 @@
           <a:p>
             <a:fld id="{6B9CC98C-563E-4F7D-9927-73EC4AAC1618}" type="datetimeFigureOut">
               <a:rPr lang="en-US" smtClean="0"/>
-              <a:t>4/3/2020</a:t>
+              <a:t>4/7/2020</a:t>
             </a:fld>
             <a:endParaRPr lang="en-US"/>
           </a:p>
@@ -4171,7 +4171,7 @@
           <a:p>
             <a:fld id="{6B9CC98C-563E-4F7D-9927-73EC4AAC1618}" type="datetimeFigureOut">
               <a:rPr lang="en-US" smtClean="0"/>
-              <a:t>4/3/2020</a:t>
+              <a:t>4/7/2020</a:t>
             </a:fld>
             <a:endParaRPr lang="en-US"/>
           </a:p>
@@ -4463,7 +4463,7 @@
           <a:p>
             <a:fld id="{6B9CC98C-563E-4F7D-9927-73EC4AAC1618}" type="datetimeFigureOut">
               <a:rPr lang="en-US" smtClean="0"/>
-              <a:t>4/3/2020</a:t>
+              <a:t>4/7/2020</a:t>
             </a:fld>
             <a:endParaRPr lang="en-US"/>
           </a:p>
@@ -4542,9 +4542,7 @@
     <p:bg>
       <p:bgPr>
         <a:solidFill>
-          <a:schemeClr val="bg1">
-            <a:lumMod val="85000"/>
-          </a:schemeClr>
+          <a:srgbClr val="C0C0C0"/>
         </a:solidFill>
         <a:effectLst/>
       </p:bgPr>
@@ -4711,7 +4709,7 @@
           <a:p>
             <a:fld id="{6B9CC98C-563E-4F7D-9927-73EC4AAC1618}" type="datetimeFigureOut">
               <a:rPr lang="en-US" smtClean="0"/>
-              <a:t>4/3/2020</a:t>
+              <a:t>4/7/2020</a:t>
             </a:fld>
             <a:endParaRPr lang="en-US"/>
           </a:p>
@@ -5112,7 +5110,7 @@
 </file>
 
 <file path=ppt/slides/slide1.xml><?xml version="1.0" encoding="utf-8"?>
-<p:sld xmlns:a="http://schemas.openxmlformats.org/drawingml/2006/main" xmlns:r="http://schemas.openxmlformats.org/officeDocument/2006/relationships" xmlns:p="http://schemas.openxmlformats.org/presentationml/2006/main">
+<p:sld xmlns:a="http://schemas.openxmlformats.org/drawingml/2006/main" xmlns:r="http://schemas.openxmlformats.org/officeDocument/2006/relationships" xmlns:p="http://schemas.openxmlformats.org/presentationml/2006/main" show="0">
   <p:cSld>
     <p:spTree>
       <p:nvGrpSpPr>
@@ -5294,16 +5292,6 @@
 <file path=ppt/slides/slide10.xml><?xml version="1.0" encoding="utf-8"?>
 <p:sld xmlns:a="http://schemas.openxmlformats.org/drawingml/2006/main" xmlns:r="http://schemas.openxmlformats.org/officeDocument/2006/relationships" xmlns:p="http://schemas.openxmlformats.org/presentationml/2006/main">
   <p:cSld>
-    <p:bg>
-      <p:bgPr>
-        <a:solidFill>
-          <a:schemeClr val="bg1">
-            <a:lumMod val="85000"/>
-          </a:schemeClr>
-        </a:solidFill>
-        <a:effectLst/>
-      </p:bgPr>
-    </p:bg>
     <p:spTree>
       <p:nvGrpSpPr>
         <p:cNvPr id="1" name=""/>
@@ -5997,16 +5985,6 @@
 <file path=ppt/slides/slide11.xml><?xml version="1.0" encoding="utf-8"?>
 <p:sld xmlns:a="http://schemas.openxmlformats.org/drawingml/2006/main" xmlns:r="http://schemas.openxmlformats.org/officeDocument/2006/relationships" xmlns:p="http://schemas.openxmlformats.org/presentationml/2006/main">
   <p:cSld>
-    <p:bg>
-      <p:bgPr>
-        <a:solidFill>
-          <a:schemeClr val="bg1">
-            <a:lumMod val="85000"/>
-          </a:schemeClr>
-        </a:solidFill>
-        <a:effectLst/>
-      </p:bgPr>
-    </p:bg>
     <p:spTree>
       <p:nvGrpSpPr>
         <p:cNvPr id="1" name=""/>
@@ -6640,16 +6618,6 @@
 <file path=ppt/slides/slide12.xml><?xml version="1.0" encoding="utf-8"?>
 <p:sld xmlns:a="http://schemas.openxmlformats.org/drawingml/2006/main" xmlns:r="http://schemas.openxmlformats.org/officeDocument/2006/relationships" xmlns:p="http://schemas.openxmlformats.org/presentationml/2006/main">
   <p:cSld>
-    <p:bg>
-      <p:bgPr>
-        <a:solidFill>
-          <a:schemeClr val="bg1">
-            <a:lumMod val="85000"/>
-          </a:schemeClr>
-        </a:solidFill>
-        <a:effectLst/>
-      </p:bgPr>
-    </p:bg>
     <p:spTree>
       <p:nvGrpSpPr>
         <p:cNvPr id="1" name=""/>
@@ -7188,16 +7156,6 @@
 <file path=ppt/slides/slide13.xml><?xml version="1.0" encoding="utf-8"?>
 <p:sld xmlns:a="http://schemas.openxmlformats.org/drawingml/2006/main" xmlns:r="http://schemas.openxmlformats.org/officeDocument/2006/relationships" xmlns:p="http://schemas.openxmlformats.org/presentationml/2006/main">
   <p:cSld>
-    <p:bg>
-      <p:bgPr>
-        <a:solidFill>
-          <a:schemeClr val="bg1">
-            <a:lumMod val="85000"/>
-          </a:schemeClr>
-        </a:solidFill>
-        <a:effectLst/>
-      </p:bgPr>
-    </p:bg>
     <p:spTree>
       <p:nvGrpSpPr>
         <p:cNvPr id="1" name=""/>
@@ -7779,16 +7737,6 @@
 <file path=ppt/slides/slide14.xml><?xml version="1.0" encoding="utf-8"?>
 <p:sld xmlns:a="http://schemas.openxmlformats.org/drawingml/2006/main" xmlns:r="http://schemas.openxmlformats.org/officeDocument/2006/relationships" xmlns:p="http://schemas.openxmlformats.org/presentationml/2006/main">
   <p:cSld>
-    <p:bg>
-      <p:bgPr>
-        <a:solidFill>
-          <a:schemeClr val="bg1">
-            <a:lumMod val="85000"/>
-          </a:schemeClr>
-        </a:solidFill>
-        <a:effectLst/>
-      </p:bgPr>
-    </p:bg>
     <p:spTree>
       <p:nvGrpSpPr>
         <p:cNvPr id="1" name=""/>
@@ -8530,16 +8478,6 @@
 <file path=ppt/slides/slide3.xml><?xml version="1.0" encoding="utf-8"?>
 <p:sld xmlns:a="http://schemas.openxmlformats.org/drawingml/2006/main" xmlns:r="http://schemas.openxmlformats.org/officeDocument/2006/relationships" xmlns:p="http://schemas.openxmlformats.org/presentationml/2006/main">
   <p:cSld>
-    <p:bg>
-      <p:bgPr>
-        <a:solidFill>
-          <a:schemeClr val="bg1">
-            <a:lumMod val="85000"/>
-          </a:schemeClr>
-        </a:solidFill>
-        <a:effectLst/>
-      </p:bgPr>
-    </p:bg>
     <p:spTree>
       <p:nvGrpSpPr>
         <p:cNvPr id="1" name=""/>
@@ -9059,16 +8997,6 @@
 <file path=ppt/slides/slide4.xml><?xml version="1.0" encoding="utf-8"?>
 <p:sld xmlns:a="http://schemas.openxmlformats.org/drawingml/2006/main" xmlns:r="http://schemas.openxmlformats.org/officeDocument/2006/relationships" xmlns:p="http://schemas.openxmlformats.org/presentationml/2006/main">
   <p:cSld>
-    <p:bg>
-      <p:bgPr>
-        <a:solidFill>
-          <a:schemeClr val="bg1">
-            <a:lumMod val="85000"/>
-          </a:schemeClr>
-        </a:solidFill>
-        <a:effectLst/>
-      </p:bgPr>
-    </p:bg>
     <p:spTree>
       <p:nvGrpSpPr>
         <p:cNvPr id="1" name=""/>
@@ -10169,16 +10097,6 @@
 <file path=ppt/slides/slide5.xml><?xml version="1.0" encoding="utf-8"?>
 <p:sld xmlns:a="http://schemas.openxmlformats.org/drawingml/2006/main" xmlns:r="http://schemas.openxmlformats.org/officeDocument/2006/relationships" xmlns:p="http://schemas.openxmlformats.org/presentationml/2006/main">
   <p:cSld>
-    <p:bg>
-      <p:bgPr>
-        <a:solidFill>
-          <a:schemeClr val="bg1">
-            <a:lumMod val="85000"/>
-          </a:schemeClr>
-        </a:solidFill>
-        <a:effectLst/>
-      </p:bgPr>
-    </p:bg>
     <p:spTree>
       <p:nvGrpSpPr>
         <p:cNvPr id="1" name=""/>
@@ -11373,16 +11291,6 @@
 <file path=ppt/slides/slide6.xml><?xml version="1.0" encoding="utf-8"?>
 <p:sld xmlns:a="http://schemas.openxmlformats.org/drawingml/2006/main" xmlns:r="http://schemas.openxmlformats.org/officeDocument/2006/relationships" xmlns:p="http://schemas.openxmlformats.org/presentationml/2006/main">
   <p:cSld>
-    <p:bg>
-      <p:bgPr>
-        <a:solidFill>
-          <a:schemeClr val="bg1">
-            <a:lumMod val="85000"/>
-          </a:schemeClr>
-        </a:solidFill>
-        <a:effectLst/>
-      </p:bgPr>
-    </p:bg>
     <p:spTree>
       <p:nvGrpSpPr>
         <p:cNvPr id="1" name=""/>
@@ -12630,16 +12538,6 @@
 <file path=ppt/slides/slide7.xml><?xml version="1.0" encoding="utf-8"?>
 <p:sld xmlns:a="http://schemas.openxmlformats.org/drawingml/2006/main" xmlns:r="http://schemas.openxmlformats.org/officeDocument/2006/relationships" xmlns:p="http://schemas.openxmlformats.org/presentationml/2006/main">
   <p:cSld>
-    <p:bg>
-      <p:bgPr>
-        <a:solidFill>
-          <a:schemeClr val="bg1">
-            <a:lumMod val="85000"/>
-          </a:schemeClr>
-        </a:solidFill>
-        <a:effectLst/>
-      </p:bgPr>
-    </p:bg>
     <p:spTree>
       <p:nvGrpSpPr>
         <p:cNvPr id="1" name=""/>
@@ -13887,16 +13785,6 @@
 <file path=ppt/slides/slide8.xml><?xml version="1.0" encoding="utf-8"?>
 <p:sld xmlns:a="http://schemas.openxmlformats.org/drawingml/2006/main" xmlns:r="http://schemas.openxmlformats.org/officeDocument/2006/relationships" xmlns:p="http://schemas.openxmlformats.org/presentationml/2006/main">
   <p:cSld>
-    <p:bg>
-      <p:bgPr>
-        <a:solidFill>
-          <a:schemeClr val="bg1">
-            <a:lumMod val="85000"/>
-          </a:schemeClr>
-        </a:solidFill>
-        <a:effectLst/>
-      </p:bgPr>
-    </p:bg>
     <p:spTree>
       <p:nvGrpSpPr>
         <p:cNvPr id="1" name=""/>
@@ -14417,16 +14305,6 @@
 <file path=ppt/slides/slide9.xml><?xml version="1.0" encoding="utf-8"?>
 <p:sld xmlns:a="http://schemas.openxmlformats.org/drawingml/2006/main" xmlns:r="http://schemas.openxmlformats.org/officeDocument/2006/relationships" xmlns:p="http://schemas.openxmlformats.org/presentationml/2006/main">
   <p:cSld>
-    <p:bg>
-      <p:bgPr>
-        <a:solidFill>
-          <a:schemeClr val="bg1">
-            <a:lumMod val="85000"/>
-          </a:schemeClr>
-        </a:solidFill>
-        <a:effectLst/>
-      </p:bgPr>
-    </p:bg>
     <p:spTree>
       <p:nvGrpSpPr>
         <p:cNvPr id="1" name=""/>
@@ -15627,18 +15505,18 @@
 </file>
 
 <file path=customXml/item1.xml><?xml version="1.0" encoding="utf-8"?>
-<p:properties xmlns:p="http://schemas.microsoft.com/office/2006/metadata/properties" xmlns:xsi="http://www.w3.org/2001/XMLSchema-instance" xmlns:pc="http://schemas.microsoft.com/office/infopath/2007/PartnerControls">
-  <documentManagement/>
-</p:properties>
-</file>
-
-<file path=customXml/item2.xml><?xml version="1.0" encoding="utf-8"?>
 <?mso-contentType ?>
 <FormTemplates xmlns="http://schemas.microsoft.com/sharepoint/v3/contenttype/forms">
   <Display>DocumentLibraryForm</Display>
   <Edit>DocumentLibraryForm</Edit>
   <New>DocumentLibraryForm</New>
 </FormTemplates>
+</file>
+
+<file path=customXml/item2.xml><?xml version="1.0" encoding="utf-8"?>
+<p:properties xmlns:p="http://schemas.microsoft.com/office/2006/metadata/properties" xmlns:xsi="http://www.w3.org/2001/XMLSchema-instance" xmlns:pc="http://schemas.microsoft.com/office/infopath/2007/PartnerControls">
+  <documentManagement/>
+</p:properties>
 </file>
 
 <file path=customXml/item3.xml><?xml version="1.0" encoding="utf-8"?>
@@ -15820,6 +15698,14 @@
 </file>
 
 <file path=customXml/itemProps1.xml><?xml version="1.0" encoding="utf-8"?>
+<ds:datastoreItem xmlns:ds="http://schemas.openxmlformats.org/officeDocument/2006/customXml" ds:itemID="{923228D6-D594-4907-8908-B39BE33AC58C}">
+  <ds:schemaRefs>
+    <ds:schemaRef ds:uri="http://schemas.microsoft.com/sharepoint/v3/contenttype/forms"/>
+  </ds:schemaRefs>
+</ds:datastoreItem>
+</file>
+
+<file path=customXml/itemProps2.xml><?xml version="1.0" encoding="utf-8"?>
 <ds:datastoreItem xmlns:ds="http://schemas.openxmlformats.org/officeDocument/2006/customXml" ds:itemID="{E36B5C00-A49D-4F91-89B2-E9D01A16B433}">
   <ds:schemaRefs>
     <ds:schemaRef ds:uri="http://schemas.microsoft.com/office/2006/documentManagement/types"/>
@@ -15831,14 +15717,6 @@
     <ds:schemaRef ds:uri="http://schemas.microsoft.com/office/infopath/2007/PartnerControls"/>
     <ds:schemaRef ds:uri="http://schemas.microsoft.com/office/2006/metadata/properties"/>
     <ds:schemaRef ds:uri="http://www.w3.org/XML/1998/namespace"/>
-  </ds:schemaRefs>
-</ds:datastoreItem>
-</file>
-
-<file path=customXml/itemProps2.xml><?xml version="1.0" encoding="utf-8"?>
-<ds:datastoreItem xmlns:ds="http://schemas.openxmlformats.org/officeDocument/2006/customXml" ds:itemID="{923228D6-D594-4907-8908-B39BE33AC58C}">
-  <ds:schemaRefs>
-    <ds:schemaRef ds:uri="http://schemas.microsoft.com/sharepoint/v3/contenttype/forms"/>
   </ds:schemaRefs>
 </ds:datastoreItem>
 </file>
